--- a/Machine Learning Stock Market Prediction Studies.pptx
+++ b/Machine Learning Stock Market Prediction Studies.pptx
@@ -6,7 +6,9 @@
   </p:sldMasterIdLst>
   <p:sldIdLst>
     <p:sldId id="256" r:id="rId2"/>
-    <p:sldId id="257" r:id="rId3"/>
+    <p:sldId id="258" r:id="rId3"/>
+    <p:sldId id="259" r:id="rId4"/>
+    <p:sldId id="257" r:id="rId5"/>
   </p:sldIdLst>
   <p:sldSz cx="12192000" cy="6858000"/>
   <p:notesSz cx="6858000" cy="9144000"/>
@@ -444,7 +446,7 @@
           <a:p>
             <a:fld id="{5CE4ABB8-52BD-4A6A-B69B-79BD58B945C4}" type="datetimeFigureOut">
               <a:rPr lang="en-US" smtClean="0"/>
-              <a:t>3/7/2022</a:t>
+              <a:t>3/13/2022</a:t>
             </a:fld>
             <a:endParaRPr lang="en-US"/>
           </a:p>
@@ -768,7 +770,7 @@
           <a:p>
             <a:fld id="{5CE4ABB8-52BD-4A6A-B69B-79BD58B945C4}" type="datetimeFigureOut">
               <a:rPr lang="en-US" smtClean="0"/>
-              <a:t>3/7/2022</a:t>
+              <a:t>3/13/2022</a:t>
             </a:fld>
             <a:endParaRPr lang="en-US"/>
           </a:p>
@@ -1016,7 +1018,7 @@
           <a:p>
             <a:fld id="{5CE4ABB8-52BD-4A6A-B69B-79BD58B945C4}" type="datetimeFigureOut">
               <a:rPr lang="en-US" smtClean="0"/>
-              <a:t>3/7/2022</a:t>
+              <a:t>3/13/2022</a:t>
             </a:fld>
             <a:endParaRPr lang="en-US"/>
           </a:p>
@@ -1355,7 +1357,7 @@
           <a:p>
             <a:fld id="{5CE4ABB8-52BD-4A6A-B69B-79BD58B945C4}" type="datetimeFigureOut">
               <a:rPr lang="en-US" smtClean="0"/>
-              <a:t>3/7/2022</a:t>
+              <a:t>3/13/2022</a:t>
             </a:fld>
             <a:endParaRPr lang="en-US"/>
           </a:p>
@@ -1702,7 +1704,7 @@
           <a:p>
             <a:fld id="{5CE4ABB8-52BD-4A6A-B69B-79BD58B945C4}" type="datetimeFigureOut">
               <a:rPr lang="en-US" smtClean="0"/>
-              <a:t>3/7/2022</a:t>
+              <a:t>3/13/2022</a:t>
             </a:fld>
             <a:endParaRPr lang="en-US"/>
           </a:p>
@@ -2076,7 +2078,7 @@
           <a:p>
             <a:fld id="{5CE4ABB8-52BD-4A6A-B69B-79BD58B945C4}" type="datetimeFigureOut">
               <a:rPr lang="en-US" smtClean="0"/>
-              <a:t>3/7/2022</a:t>
+              <a:t>3/13/2022</a:t>
             </a:fld>
             <a:endParaRPr lang="en-US"/>
           </a:p>
@@ -2546,7 +2548,7 @@
           <a:p>
             <a:fld id="{5CE4ABB8-52BD-4A6A-B69B-79BD58B945C4}" type="datetimeFigureOut">
               <a:rPr lang="en-US" smtClean="0"/>
-              <a:t>3/7/2022</a:t>
+              <a:t>3/13/2022</a:t>
             </a:fld>
             <a:endParaRPr lang="en-US"/>
           </a:p>
@@ -2751,7 +2753,7 @@
           <a:p>
             <a:fld id="{5CE4ABB8-52BD-4A6A-B69B-79BD58B945C4}" type="datetimeFigureOut">
               <a:rPr lang="en-US" smtClean="0"/>
-              <a:t>3/7/2022</a:t>
+              <a:t>3/13/2022</a:t>
             </a:fld>
             <a:endParaRPr lang="en-US"/>
           </a:p>
@@ -2962,7 +2964,7 @@
           <a:p>
             <a:fld id="{5CE4ABB8-52BD-4A6A-B69B-79BD58B945C4}" type="datetimeFigureOut">
               <a:rPr lang="en-US" smtClean="0"/>
-              <a:t>3/7/2022</a:t>
+              <a:t>3/13/2022</a:t>
             </a:fld>
             <a:endParaRPr lang="en-US"/>
           </a:p>
@@ -3194,7 +3196,7 @@
           <a:p>
             <a:fld id="{5CE4ABB8-52BD-4A6A-B69B-79BD58B945C4}" type="datetimeFigureOut">
               <a:rPr lang="en-US" smtClean="0"/>
-              <a:t>3/7/2022</a:t>
+              <a:t>3/13/2022</a:t>
             </a:fld>
             <a:endParaRPr lang="en-US"/>
           </a:p>
@@ -3442,7 +3444,7 @@
           <a:p>
             <a:fld id="{5CE4ABB8-52BD-4A6A-B69B-79BD58B945C4}" type="datetimeFigureOut">
               <a:rPr lang="en-US" smtClean="0"/>
-              <a:t>3/7/2022</a:t>
+              <a:t>3/13/2022</a:t>
             </a:fld>
             <a:endParaRPr lang="en-US"/>
           </a:p>
@@ -3740,7 +3742,7 @@
           <a:p>
             <a:fld id="{5CE4ABB8-52BD-4A6A-B69B-79BD58B945C4}" type="datetimeFigureOut">
               <a:rPr lang="en-US" smtClean="0"/>
-              <a:t>3/7/2022</a:t>
+              <a:t>3/13/2022</a:t>
             </a:fld>
             <a:endParaRPr lang="en-US"/>
           </a:p>
@@ -4134,7 +4136,7 @@
           <a:p>
             <a:fld id="{5CE4ABB8-52BD-4A6A-B69B-79BD58B945C4}" type="datetimeFigureOut">
               <a:rPr lang="en-US" smtClean="0"/>
-              <a:t>3/7/2022</a:t>
+              <a:t>3/13/2022</a:t>
             </a:fld>
             <a:endParaRPr lang="en-US"/>
           </a:p>
@@ -4283,7 +4285,7 @@
           <a:p>
             <a:fld id="{5CE4ABB8-52BD-4A6A-B69B-79BD58B945C4}" type="datetimeFigureOut">
               <a:rPr lang="en-US" smtClean="0"/>
-              <a:t>3/7/2022</a:t>
+              <a:t>3/13/2022</a:t>
             </a:fld>
             <a:endParaRPr lang="en-US"/>
           </a:p>
@@ -4409,7 +4411,7 @@
           <a:p>
             <a:fld id="{5CE4ABB8-52BD-4A6A-B69B-79BD58B945C4}" type="datetimeFigureOut">
               <a:rPr lang="en-US" smtClean="0"/>
-              <a:t>3/7/2022</a:t>
+              <a:t>3/13/2022</a:t>
             </a:fld>
             <a:endParaRPr lang="en-US"/>
           </a:p>
@@ -4664,7 +4666,7 @@
           <a:p>
             <a:fld id="{5CE4ABB8-52BD-4A6A-B69B-79BD58B945C4}" type="datetimeFigureOut">
               <a:rPr lang="en-US" smtClean="0"/>
-              <a:t>3/7/2022</a:t>
+              <a:t>3/13/2022</a:t>
             </a:fld>
             <a:endParaRPr lang="en-US"/>
           </a:p>
@@ -4979,7 +4981,7 @@
           <a:p>
             <a:fld id="{5CE4ABB8-52BD-4A6A-B69B-79BD58B945C4}" type="datetimeFigureOut">
               <a:rPr lang="en-US" smtClean="0"/>
-              <a:t>3/7/2022</a:t>
+              <a:t>3/13/2022</a:t>
             </a:fld>
             <a:endParaRPr lang="en-US"/>
           </a:p>
@@ -5330,7 +5332,7 @@
           <a:p>
             <a:fld id="{5CE4ABB8-52BD-4A6A-B69B-79BD58B945C4}" type="datetimeFigureOut">
               <a:rPr lang="en-US" smtClean="0"/>
-              <a:t>3/7/2022</a:t>
+              <a:t>3/13/2022</a:t>
             </a:fld>
             <a:endParaRPr lang="en-US"/>
           </a:p>
@@ -6038,6 +6040,208 @@
       </p:grpSpPr>
       <p:sp>
         <p:nvSpPr>
+          <p:cNvPr id="3" name="TextBox 2">
+            <a:extLst>
+              <a:ext uri="{FF2B5EF4-FFF2-40B4-BE49-F238E27FC236}">
+                <a16:creationId xmlns:a16="http://schemas.microsoft.com/office/drawing/2014/main" id="{3F979404-4EA8-431A-BB95-2D73AC0B36F1}"/>
+              </a:ext>
+            </a:extLst>
+          </p:cNvPr>
+          <p:cNvSpPr txBox="1"/>
+          <p:nvPr/>
+        </p:nvSpPr>
+        <p:spPr>
+          <a:xfrm>
+            <a:off x="1696277" y="1866158"/>
+            <a:ext cx="8984975" cy="2000548"/>
+          </a:xfrm>
+          <a:prstGeom prst="rect">
+            <a:avLst/>
+          </a:prstGeom>
+          <a:noFill/>
+        </p:spPr>
+        <p:txBody>
+          <a:bodyPr wrap="square">
+            <a:spAutoFit/>
+          </a:bodyPr>
+          <a:lstStyle/>
+          <a:p>
+            <a:r>
+              <a:rPr lang="en-US" sz="4000" b="1" u="sng" dirty="0"/>
+              <a:t>Dataset information:- </a:t>
+            </a:r>
+          </a:p>
+          <a:p>
+            <a:pPr marL="285750" indent="-285750">
+              <a:buFont typeface="Arial" panose="020B0604020202020204" pitchFamily="34" charset="0"/>
+              <a:buChar char="•"/>
+            </a:pPr>
+            <a:r>
+              <a:rPr lang="en-US" sz="2800" dirty="0"/>
+              <a:t>Datasets taken from the </a:t>
+            </a:r>
+            <a:r>
+              <a:rPr lang="en-US" sz="2800" b="1" dirty="0">
+                <a:solidFill>
+                  <a:srgbClr val="00B050"/>
+                </a:solidFill>
+              </a:rPr>
+              <a:t>Taiwan Capitalization Weighted </a:t>
+            </a:r>
+            <a:r>
+              <a:rPr lang="en-US" sz="2800" dirty="0"/>
+              <a:t>Stock Index.</a:t>
+            </a:r>
+          </a:p>
+          <a:p>
+            <a:pPr marL="285750" indent="-285750">
+              <a:buFont typeface="Arial" panose="020B0604020202020204" pitchFamily="34" charset="0"/>
+              <a:buChar char="•"/>
+            </a:pPr>
+            <a:r>
+              <a:rPr lang="en-US" sz="2800" dirty="0"/>
+              <a:t>October 2002 through March 2005</a:t>
+            </a:r>
+          </a:p>
+        </p:txBody>
+      </p:sp>
+    </p:spTree>
+    <p:extLst>
+      <p:ext uri="{BB962C8B-B14F-4D97-AF65-F5344CB8AC3E}">
+        <p14:creationId xmlns:p14="http://schemas.microsoft.com/office/powerpoint/2010/main" val="1934324219"/>
+      </p:ext>
+    </p:extLst>
+  </p:cSld>
+  <p:clrMapOvr>
+    <a:masterClrMapping/>
+  </p:clrMapOvr>
+</p:sld>
+</file>
+
+<file path=ppt/slides/slide3.xml><?xml version="1.0" encoding="utf-8"?>
+<p:sld xmlns:a="http://schemas.openxmlformats.org/drawingml/2006/main" xmlns:r="http://schemas.openxmlformats.org/officeDocument/2006/relationships" xmlns:p="http://schemas.openxmlformats.org/presentationml/2006/main">
+  <p:cSld>
+    <p:spTree>
+      <p:nvGrpSpPr>
+        <p:cNvPr id="1" name=""/>
+        <p:cNvGrpSpPr/>
+        <p:nvPr/>
+      </p:nvGrpSpPr>
+      <p:grpSpPr>
+        <a:xfrm>
+          <a:off x="0" y="0"/>
+          <a:ext cx="0" cy="0"/>
+          <a:chOff x="0" y="0"/>
+          <a:chExt cx="0" cy="0"/>
+        </a:xfrm>
+      </p:grpSpPr>
+      <p:sp>
+        <p:nvSpPr>
+          <p:cNvPr id="3" name="TextBox 2">
+            <a:extLst>
+              <a:ext uri="{FF2B5EF4-FFF2-40B4-BE49-F238E27FC236}">
+                <a16:creationId xmlns:a16="http://schemas.microsoft.com/office/drawing/2014/main" id="{6873F8EC-D75D-45BE-8F60-43C50D36A29B}"/>
+              </a:ext>
+            </a:extLst>
+          </p:cNvPr>
+          <p:cNvSpPr txBox="1"/>
+          <p:nvPr/>
+        </p:nvSpPr>
+        <p:spPr>
+          <a:xfrm>
+            <a:off x="927651" y="2044005"/>
+            <a:ext cx="10787270" cy="1692771"/>
+          </a:xfrm>
+          <a:prstGeom prst="rect">
+            <a:avLst/>
+          </a:prstGeom>
+          <a:noFill/>
+        </p:spPr>
+        <p:txBody>
+          <a:bodyPr wrap="square">
+            <a:spAutoFit/>
+          </a:bodyPr>
+          <a:lstStyle/>
+          <a:p>
+            <a:r>
+              <a:rPr lang="en-US" sz="2400" b="1" u="sng" dirty="0"/>
+              <a:t>Using some machine learning techniques and Algorithm for prediction:-</a:t>
+            </a:r>
+          </a:p>
+          <a:p>
+            <a:pPr marL="342900" indent="-342900">
+              <a:buFont typeface="Arial" panose="020B0604020202020204" pitchFamily="34" charset="0"/>
+              <a:buChar char="•"/>
+            </a:pPr>
+            <a:r>
+              <a:rPr lang="en-US" sz="2000" dirty="0"/>
+              <a:t>SVM</a:t>
+            </a:r>
+          </a:p>
+          <a:p>
+            <a:pPr marL="342900" indent="-342900">
+              <a:buFont typeface="Arial" panose="020B0604020202020204" pitchFamily="34" charset="0"/>
+              <a:buChar char="•"/>
+            </a:pPr>
+            <a:r>
+              <a:rPr lang="en-US" sz="2000" dirty="0"/>
+              <a:t>ANN</a:t>
+            </a:r>
+          </a:p>
+          <a:p>
+            <a:pPr marL="342900" indent="-342900">
+              <a:buFont typeface="Arial" panose="020B0604020202020204" pitchFamily="34" charset="0"/>
+              <a:buChar char="•"/>
+            </a:pPr>
+            <a:r>
+              <a:rPr lang="en-US" sz="2000" dirty="0"/>
+              <a:t>Genetic Algorithm</a:t>
+            </a:r>
+          </a:p>
+          <a:p>
+            <a:pPr marL="342900" indent="-342900">
+              <a:buFont typeface="Arial" panose="020B0604020202020204" pitchFamily="34" charset="0"/>
+              <a:buChar char="•"/>
+            </a:pPr>
+            <a:r>
+              <a:rPr lang="en-US" sz="2000" dirty="0"/>
+              <a:t>Hybrid ML Techniques.</a:t>
+            </a:r>
+          </a:p>
+        </p:txBody>
+      </p:sp>
+    </p:spTree>
+    <p:extLst>
+      <p:ext uri="{BB962C8B-B14F-4D97-AF65-F5344CB8AC3E}">
+        <p14:creationId xmlns:p14="http://schemas.microsoft.com/office/powerpoint/2010/main" val="3714281349"/>
+      </p:ext>
+    </p:extLst>
+  </p:cSld>
+  <p:clrMapOvr>
+    <a:masterClrMapping/>
+  </p:clrMapOvr>
+</p:sld>
+</file>
+
+<file path=ppt/slides/slide4.xml><?xml version="1.0" encoding="utf-8"?>
+<p:sld xmlns:a="http://schemas.openxmlformats.org/drawingml/2006/main" xmlns:r="http://schemas.openxmlformats.org/officeDocument/2006/relationships" xmlns:p="http://schemas.openxmlformats.org/presentationml/2006/main">
+  <p:cSld>
+    <p:spTree>
+      <p:nvGrpSpPr>
+        <p:cNvPr id="1" name=""/>
+        <p:cNvGrpSpPr/>
+        <p:nvPr/>
+      </p:nvGrpSpPr>
+      <p:grpSpPr>
+        <a:xfrm>
+          <a:off x="0" y="0"/>
+          <a:ext cx="0" cy="0"/>
+          <a:chOff x="0" y="0"/>
+          <a:chExt cx="0" cy="0"/>
+        </a:xfrm>
+      </p:grpSpPr>
+      <p:sp>
+        <p:nvSpPr>
           <p:cNvPr id="6" name="TextBox 5">
             <a:extLst>
               <a:ext uri="{FF2B5EF4-FFF2-40B4-BE49-F238E27FC236}">
@@ -6144,7 +6348,7 @@
                 <a:latin typeface="Times New Roman" panose="02020603050405020304" pitchFamily="18" charset="0"/>
                 <a:cs typeface="Times New Roman" panose="02020603050405020304" pitchFamily="18" charset="0"/>
               </a:rPr>
-              <a:t>.</a:t>
+              <a:t>. </a:t>
             </a:r>
           </a:p>
         </p:txBody>
